--- a/trunk/dissertation/gfx/charts/Block Diagram3.pptx
+++ b/trunk/dissertation/gfx/charts/Block Diagram3.pptx
@@ -3072,8 +3072,8 @@
         </p:nvSpPr>
         <p:spPr>
           <a:xfrm>
-            <a:off x="1678930" y="2820530"/>
-            <a:ext cx="1111250" cy="640598"/>
+            <a:off x="1678930" y="2917818"/>
+            <a:ext cx="1111250" cy="543310"/>
           </a:xfrm>
           <a:prstGeom prst="cloud">
             <a:avLst/>
@@ -3129,7 +3129,7 @@
                   <a:schemeClr val="dk1"/>
                 </a:solidFill>
               </a:rPr>
-              <a:t>intranet</a:t>
+              <a:t>  intranet</a:t>
             </a:r>
             <a:endParaRPr lang="en-US" sz="1000" dirty="0">
               <a:solidFill>
@@ -3374,8 +3374,13 @@
             <a:pPr algn="r"/>
             <a:r>
               <a:rPr lang="pt-PT" sz="700" dirty="0" smtClean="0"/>
-              <a:t>Core and Middle Tier Modules</a:t>
-            </a:r>
+              <a:t>Core </a:t>
+            </a:r>
+            <a:r>
+              <a:rPr lang="pt-PT" sz="700" dirty="0" smtClean="0"/>
+              <a:t>Modules</a:t>
+            </a:r>
+            <a:endParaRPr lang="pt-PT" sz="700" dirty="0" smtClean="0"/>
           </a:p>
         </p:txBody>
       </p:sp>
@@ -3415,23 +3420,19 @@
           <a:p>
             <a:pPr algn="ctr"/>
             <a:r>
+              <a:rPr lang="pt-PT" sz="700" b="1" smtClean="0"/>
+              <a:t>Speech command</a:t>
+            </a:r>
+            <a:r>
               <a:rPr lang="pt-PT" sz="700" b="1" dirty="0" smtClean="0"/>
-              <a:t>Voice </a:t>
-            </a:r>
-            <a:r>
-              <a:rPr lang="pt-PT" sz="700" b="1" dirty="0" smtClean="0"/>
-              <a:t>command</a:t>
+              <a:t/>
             </a:r>
             <a:br>
               <a:rPr lang="pt-PT" sz="700" b="1" dirty="0" smtClean="0"/>
             </a:br>
             <a:r>
               <a:rPr lang="pt-PT" sz="700" b="1" dirty="0" smtClean="0"/>
-              <a:t>input </a:t>
-            </a:r>
-            <a:r>
-              <a:rPr lang="pt-PT" sz="700" b="1" dirty="0" smtClean="0"/>
-              <a:t>listener</a:t>
+              <a:t>input listener</a:t>
             </a:r>
             <a:endParaRPr lang="en-US" sz="700" b="1" dirty="0"/>
           </a:p>
@@ -3524,15 +3525,7 @@
             <a:pPr algn="ctr"/>
             <a:r>
               <a:rPr lang="pt-PT" sz="700" b="1" dirty="0" smtClean="0"/>
-              <a:t>Laser/mouse </a:t>
-            </a:r>
-            <a:r>
-              <a:rPr lang="pt-PT" sz="700" b="1" dirty="0" smtClean="0"/>
-              <a:t>input </a:t>
-            </a:r>
-            <a:r>
-              <a:rPr lang="pt-PT" sz="700" b="1" dirty="0" smtClean="0"/>
-              <a:t>listener</a:t>
+              <a:t>Laser/mouse input listener</a:t>
             </a:r>
             <a:endParaRPr lang="en-US" sz="700" b="1" dirty="0"/>
           </a:p>
@@ -3575,15 +3568,7 @@
             <a:pPr algn="ctr"/>
             <a:r>
               <a:rPr lang="pt-PT" sz="700" b="1" dirty="0" smtClean="0"/>
-              <a:t>Tracking postures </a:t>
-            </a:r>
-            <a:r>
-              <a:rPr lang="pt-PT" sz="700" b="1" dirty="0" smtClean="0"/>
-              <a:t>input </a:t>
-            </a:r>
-            <a:r>
-              <a:rPr lang="pt-PT" sz="700" b="1" dirty="0" smtClean="0"/>
-              <a:t>listener</a:t>
+              <a:t>Tracking postures input listener</a:t>
             </a:r>
             <a:endParaRPr lang="en-US" sz="700" b="1" dirty="0"/>
           </a:p>
